--- a/_Documents/10-7.Interviewing.pptx
+++ b/_Documents/10-7.Interviewing.pptx
@@ -141,50 +141,6 @@
 <file path=ppt/changesInfos/changesInfo1.xml><?xml version="1.0" encoding="utf-8"?>
 <pc:chgInfo xmlns:a="http://schemas.openxmlformats.org/drawingml/2006/main" xmlns:r="http://schemas.openxmlformats.org/officeDocument/2006/relationships" xmlns:ac="http://schemas.microsoft.com/office/drawing/2013/main/command" xmlns:pc="http://schemas.microsoft.com/office/powerpoint/2013/main/command">
   <pc:docChgLst>
-    <pc:chgData name="Florin Teodorescu" userId="5a9a629557a7747a" providerId="LiveId" clId="{8B717F7B-BB50-4A72-94C6-6C87BAA99E3C}"/>
-    <pc:docChg chg="undo custSel addSld delSld modSld sldOrd">
-      <pc:chgData name="Florin Teodorescu" userId="5a9a629557a7747a" providerId="LiveId" clId="{8B717F7B-BB50-4A72-94C6-6C87BAA99E3C}" dt="2019-05-28T03:59:23.030" v="7517" actId="6549"/>
-      <pc:docMkLst>
-        <pc:docMk/>
-      </pc:docMkLst>
-      <pc:sldChg chg="modSp del">
-        <pc:chgData name="Florin Teodorescu" userId="5a9a629557a7747a" providerId="LiveId" clId="{8B717F7B-BB50-4A72-94C6-6C87BAA99E3C}" dt="2019-05-28T00:33:58.870" v="1145" actId="2696"/>
-        <pc:sldMkLst>
-          <pc:docMk/>
-          <pc:sldMk cId="1445191112" sldId="309"/>
-        </pc:sldMkLst>
-      </pc:sldChg>
-      <pc:sldChg chg="addSp delSp modSp add modAnim">
-        <pc:chgData name="Florin Teodorescu" userId="5a9a629557a7747a" providerId="LiveId" clId="{8B717F7B-BB50-4A72-94C6-6C87BAA99E3C}" dt="2019-05-28T02:26:29.724" v="3068" actId="1076"/>
-        <pc:sldMkLst>
-          <pc:docMk/>
-          <pc:sldMk cId="478568822" sldId="310"/>
-        </pc:sldMkLst>
-      </pc:sldChg>
-      <pc:sldChg chg="addSp modSp add modAnim">
-        <pc:chgData name="Florin Teodorescu" userId="5a9a629557a7747a" providerId="LiveId" clId="{8B717F7B-BB50-4A72-94C6-6C87BAA99E3C}" dt="2019-05-28T02:41:47.097" v="4601" actId="1038"/>
-        <pc:sldMkLst>
-          <pc:docMk/>
-          <pc:sldMk cId="1125968769" sldId="311"/>
-        </pc:sldMkLst>
-      </pc:sldChg>
-      <pc:sldChg chg="addSp delSp modSp add ord modAnim">
-        <pc:chgData name="Florin Teodorescu" userId="5a9a629557a7747a" providerId="LiveId" clId="{8B717F7B-BB50-4A72-94C6-6C87BAA99E3C}" dt="2019-05-28T02:42:19.289" v="4631" actId="1036"/>
-        <pc:sldMkLst>
-          <pc:docMk/>
-          <pc:sldMk cId="169118886" sldId="312"/>
-        </pc:sldMkLst>
-      </pc:sldChg>
-      <pc:sldChg chg="delSp modSp add delAnim">
-        <pc:chgData name="Florin Teodorescu" userId="5a9a629557a7747a" providerId="LiveId" clId="{8B717F7B-BB50-4A72-94C6-6C87BAA99E3C}" dt="2019-05-28T03:59:23.030" v="7517" actId="6549"/>
-        <pc:sldMkLst>
-          <pc:docMk/>
-          <pc:sldMk cId="451871157" sldId="313"/>
-        </pc:sldMkLst>
-      </pc:sldChg>
-    </pc:docChg>
-  </pc:docChgLst>
-  <pc:docChgLst>
     <pc:chgData name="Florin Teodorescu" userId="c0861eb71ccff382" providerId="LiveId" clId="{C4763E5A-F1C3-476D-964E-FB892AF8D40D}"/>
     <pc:docChg chg="addSld modSld">
       <pc:chgData name="Florin Teodorescu" userId="c0861eb71ccff382" providerId="LiveId" clId="{C4763E5A-F1C3-476D-964E-FB892AF8D40D}" dt="2025-06-13T17:25:11.847" v="1" actId="207"/>
@@ -278,6 +234,50 @@
       </pc:sldChg>
     </pc:docChg>
   </pc:docChgLst>
+  <pc:docChgLst>
+    <pc:chgData name="Florin Teodorescu" userId="5a9a629557a7747a" providerId="LiveId" clId="{8B717F7B-BB50-4A72-94C6-6C87BAA99E3C}"/>
+    <pc:docChg chg="undo custSel addSld delSld modSld sldOrd">
+      <pc:chgData name="Florin Teodorescu" userId="5a9a629557a7747a" providerId="LiveId" clId="{8B717F7B-BB50-4A72-94C6-6C87BAA99E3C}" dt="2019-05-28T03:59:23.030" v="7517" actId="6549"/>
+      <pc:docMkLst>
+        <pc:docMk/>
+      </pc:docMkLst>
+      <pc:sldChg chg="modSp del">
+        <pc:chgData name="Florin Teodorescu" userId="5a9a629557a7747a" providerId="LiveId" clId="{8B717F7B-BB50-4A72-94C6-6C87BAA99E3C}" dt="2019-05-28T00:33:58.870" v="1145" actId="2696"/>
+        <pc:sldMkLst>
+          <pc:docMk/>
+          <pc:sldMk cId="1445191112" sldId="309"/>
+        </pc:sldMkLst>
+      </pc:sldChg>
+      <pc:sldChg chg="addSp delSp modSp add modAnim">
+        <pc:chgData name="Florin Teodorescu" userId="5a9a629557a7747a" providerId="LiveId" clId="{8B717F7B-BB50-4A72-94C6-6C87BAA99E3C}" dt="2019-05-28T02:26:29.724" v="3068" actId="1076"/>
+        <pc:sldMkLst>
+          <pc:docMk/>
+          <pc:sldMk cId="478568822" sldId="310"/>
+        </pc:sldMkLst>
+      </pc:sldChg>
+      <pc:sldChg chg="addSp modSp add modAnim">
+        <pc:chgData name="Florin Teodorescu" userId="5a9a629557a7747a" providerId="LiveId" clId="{8B717F7B-BB50-4A72-94C6-6C87BAA99E3C}" dt="2019-05-28T02:41:47.097" v="4601" actId="1038"/>
+        <pc:sldMkLst>
+          <pc:docMk/>
+          <pc:sldMk cId="1125968769" sldId="311"/>
+        </pc:sldMkLst>
+      </pc:sldChg>
+      <pc:sldChg chg="addSp delSp modSp add ord modAnim">
+        <pc:chgData name="Florin Teodorescu" userId="5a9a629557a7747a" providerId="LiveId" clId="{8B717F7B-BB50-4A72-94C6-6C87BAA99E3C}" dt="2019-05-28T02:42:19.289" v="4631" actId="1036"/>
+        <pc:sldMkLst>
+          <pc:docMk/>
+          <pc:sldMk cId="169118886" sldId="312"/>
+        </pc:sldMkLst>
+      </pc:sldChg>
+      <pc:sldChg chg="delSp modSp add delAnim">
+        <pc:chgData name="Florin Teodorescu" userId="5a9a629557a7747a" providerId="LiveId" clId="{8B717F7B-BB50-4A72-94C6-6C87BAA99E3C}" dt="2019-05-28T03:59:23.030" v="7517" actId="6549"/>
+        <pc:sldMkLst>
+          <pc:docMk/>
+          <pc:sldMk cId="451871157" sldId="313"/>
+        </pc:sldMkLst>
+      </pc:sldChg>
+    </pc:docChg>
+  </pc:docChgLst>
 </pc:chgInfo>
 </file>
 
@@ -393,7 +393,7 @@
           <a:p>
             <a:fld id="{0BFA9ACB-5BED-4E62-AAEE-A93CE31A4B3F}" type="datetimeFigureOut">
               <a:rPr lang="en-US" smtClean="0"/>
-              <a:t>6/13/2025</a:t>
+              <a:t>7/25/2025</a:t>
             </a:fld>
             <a:endParaRPr lang="en-US"/>
           </a:p>
@@ -911,7 +911,7 @@
           <a:p>
             <a:fld id="{C764DE79-268F-4C1A-8933-263129D2AF90}" type="datetimeFigureOut">
               <a:rPr lang="en-US" smtClean="0"/>
-              <a:t>6/13/2025</a:t>
+              <a:t>7/25/2025</a:t>
             </a:fld>
             <a:endParaRPr lang="en-US" dirty="0"/>
           </a:p>
@@ -1081,7 +1081,7 @@
           <a:p>
             <a:fld id="{C764DE79-268F-4C1A-8933-263129D2AF90}" type="datetimeFigureOut">
               <a:rPr lang="en-US" smtClean="0"/>
-              <a:t>6/13/2025</a:t>
+              <a:t>7/25/2025</a:t>
             </a:fld>
             <a:endParaRPr lang="en-US" dirty="0"/>
           </a:p>
@@ -1261,7 +1261,7 @@
           <a:p>
             <a:fld id="{C764DE79-268F-4C1A-8933-263129D2AF90}" type="datetimeFigureOut">
               <a:rPr lang="en-US" smtClean="0"/>
-              <a:t>6/13/2025</a:t>
+              <a:t>7/25/2025</a:t>
             </a:fld>
             <a:endParaRPr lang="en-US" dirty="0"/>
           </a:p>
@@ -1451,7 +1451,7 @@
           <a:p>
             <a:fld id="{4A5F2F10-BC49-49BE-AB3F-D6D3964AC704}" type="datetimeFigureOut">
               <a:rPr lang="en-US" smtClean="0"/>
-              <a:t>6/13/2025</a:t>
+              <a:t>7/25/2025</a:t>
             </a:fld>
             <a:endParaRPr lang="en-US"/>
           </a:p>
@@ -1619,7 +1619,7 @@
           <a:p>
             <a:fld id="{4A5F2F10-BC49-49BE-AB3F-D6D3964AC704}" type="datetimeFigureOut">
               <a:rPr lang="en-US" smtClean="0"/>
-              <a:t>6/13/2025</a:t>
+              <a:t>7/25/2025</a:t>
             </a:fld>
             <a:endParaRPr lang="en-US"/>
           </a:p>
@@ -1862,7 +1862,7 @@
           <a:p>
             <a:fld id="{4A5F2F10-BC49-49BE-AB3F-D6D3964AC704}" type="datetimeFigureOut">
               <a:rPr lang="en-US" smtClean="0"/>
-              <a:t>6/13/2025</a:t>
+              <a:t>7/25/2025</a:t>
             </a:fld>
             <a:endParaRPr lang="en-US"/>
           </a:p>
@@ -2091,7 +2091,7 @@
           <a:p>
             <a:fld id="{4A5F2F10-BC49-49BE-AB3F-D6D3964AC704}" type="datetimeFigureOut">
               <a:rPr lang="en-US" smtClean="0"/>
-              <a:t>6/13/2025</a:t>
+              <a:t>7/25/2025</a:t>
             </a:fld>
             <a:endParaRPr lang="en-US"/>
           </a:p>
@@ -2455,7 +2455,7 @@
           <a:p>
             <a:fld id="{4A5F2F10-BC49-49BE-AB3F-D6D3964AC704}" type="datetimeFigureOut">
               <a:rPr lang="en-US" smtClean="0"/>
-              <a:t>6/13/2025</a:t>
+              <a:t>7/25/2025</a:t>
             </a:fld>
             <a:endParaRPr lang="en-US"/>
           </a:p>
@@ -2572,7 +2572,7 @@
           <a:p>
             <a:fld id="{4A5F2F10-BC49-49BE-AB3F-D6D3964AC704}" type="datetimeFigureOut">
               <a:rPr lang="en-US" smtClean="0"/>
-              <a:t>6/13/2025</a:t>
+              <a:t>7/25/2025</a:t>
             </a:fld>
             <a:endParaRPr lang="en-US"/>
           </a:p>
@@ -2667,7 +2667,7 @@
           <a:p>
             <a:fld id="{4A5F2F10-BC49-49BE-AB3F-D6D3964AC704}" type="datetimeFigureOut">
               <a:rPr lang="en-US" smtClean="0"/>
-              <a:t>6/13/2025</a:t>
+              <a:t>7/25/2025</a:t>
             </a:fld>
             <a:endParaRPr lang="en-US"/>
           </a:p>
@@ -2942,7 +2942,7 @@
           <a:p>
             <a:fld id="{4A5F2F10-BC49-49BE-AB3F-D6D3964AC704}" type="datetimeFigureOut">
               <a:rPr lang="en-US" smtClean="0"/>
-              <a:t>6/13/2025</a:t>
+              <a:t>7/25/2025</a:t>
             </a:fld>
             <a:endParaRPr lang="en-US"/>
           </a:p>
@@ -3112,7 +3112,7 @@
           <a:p>
             <a:fld id="{C764DE79-268F-4C1A-8933-263129D2AF90}" type="datetimeFigureOut">
               <a:rPr lang="en-US" smtClean="0"/>
-              <a:t>6/13/2025</a:t>
+              <a:t>7/25/2025</a:t>
             </a:fld>
             <a:endParaRPr lang="en-US" dirty="0"/>
           </a:p>
@@ -3367,7 +3367,7 @@
           <a:p>
             <a:fld id="{4A5F2F10-BC49-49BE-AB3F-D6D3964AC704}" type="datetimeFigureOut">
               <a:rPr lang="en-US" smtClean="0"/>
-              <a:t>6/13/2025</a:t>
+              <a:t>7/25/2025</a:t>
             </a:fld>
             <a:endParaRPr lang="en-US"/>
           </a:p>
@@ -3535,7 +3535,7 @@
           <a:p>
             <a:fld id="{4A5F2F10-BC49-49BE-AB3F-D6D3964AC704}" type="datetimeFigureOut">
               <a:rPr lang="en-US" smtClean="0"/>
-              <a:t>6/13/2025</a:t>
+              <a:t>7/25/2025</a:t>
             </a:fld>
             <a:endParaRPr lang="en-US"/>
           </a:p>
@@ -3713,7 +3713,7 @@
           <a:p>
             <a:fld id="{4A5F2F10-BC49-49BE-AB3F-D6D3964AC704}" type="datetimeFigureOut">
               <a:rPr lang="en-US" smtClean="0"/>
-              <a:t>6/13/2025</a:t>
+              <a:t>7/25/2025</a:t>
             </a:fld>
             <a:endParaRPr lang="en-US"/>
           </a:p>
@@ -3959,7 +3959,7 @@
           <a:p>
             <a:fld id="{C764DE79-268F-4C1A-8933-263129D2AF90}" type="datetimeFigureOut">
               <a:rPr lang="en-US" smtClean="0"/>
-              <a:t>6/13/2025</a:t>
+              <a:t>7/25/2025</a:t>
             </a:fld>
             <a:endParaRPr lang="en-US" dirty="0"/>
           </a:p>
@@ -4191,7 +4191,7 @@
           <a:p>
             <a:fld id="{C764DE79-268F-4C1A-8933-263129D2AF90}" type="datetimeFigureOut">
               <a:rPr lang="en-US" smtClean="0"/>
-              <a:t>6/13/2025</a:t>
+              <a:t>7/25/2025</a:t>
             </a:fld>
             <a:endParaRPr lang="en-US" dirty="0"/>
           </a:p>
@@ -4558,7 +4558,7 @@
           <a:p>
             <a:fld id="{C764DE79-268F-4C1A-8933-263129D2AF90}" type="datetimeFigureOut">
               <a:rPr lang="en-US" smtClean="0"/>
-              <a:t>6/13/2025</a:t>
+              <a:t>7/25/2025</a:t>
             </a:fld>
             <a:endParaRPr lang="en-US" dirty="0"/>
           </a:p>
@@ -4676,7 +4676,7 @@
           <a:p>
             <a:fld id="{C764DE79-268F-4C1A-8933-263129D2AF90}" type="datetimeFigureOut">
               <a:rPr lang="en-US" smtClean="0"/>
-              <a:t>6/13/2025</a:t>
+              <a:t>7/25/2025</a:t>
             </a:fld>
             <a:endParaRPr lang="en-US" dirty="0"/>
           </a:p>
@@ -4771,7 +4771,7 @@
           <a:p>
             <a:fld id="{C764DE79-268F-4C1A-8933-263129D2AF90}" type="datetimeFigureOut">
               <a:rPr lang="en-US" smtClean="0"/>
-              <a:t>6/13/2025</a:t>
+              <a:t>7/25/2025</a:t>
             </a:fld>
             <a:endParaRPr lang="en-US" dirty="0"/>
           </a:p>
@@ -5048,7 +5048,7 @@
           <a:p>
             <a:fld id="{C764DE79-268F-4C1A-8933-263129D2AF90}" type="datetimeFigureOut">
               <a:rPr lang="en-US" smtClean="0"/>
-              <a:t>6/13/2025</a:t>
+              <a:t>7/25/2025</a:t>
             </a:fld>
             <a:endParaRPr lang="en-US" dirty="0"/>
           </a:p>
@@ -5305,7 +5305,7 @@
           <a:p>
             <a:fld id="{C764DE79-268F-4C1A-8933-263129D2AF90}" type="datetimeFigureOut">
               <a:rPr lang="en-US" smtClean="0"/>
-              <a:t>6/13/2025</a:t>
+              <a:t>7/25/2025</a:t>
             </a:fld>
             <a:endParaRPr lang="en-US" dirty="0"/>
           </a:p>
@@ -5518,7 +5518,7 @@
           <a:p>
             <a:fld id="{C764DE79-268F-4C1A-8933-263129D2AF90}" type="datetimeFigureOut">
               <a:rPr lang="en-US" smtClean="0"/>
-              <a:t>6/13/2025</a:t>
+              <a:t>7/25/2025</a:t>
             </a:fld>
             <a:endParaRPr lang="en-US" dirty="0"/>
           </a:p>
@@ -6056,7 +6056,7 @@
           <a:p>
             <a:fld id="{4A5F2F10-BC49-49BE-AB3F-D6D3964AC704}" type="datetimeFigureOut">
               <a:rPr lang="en-US" smtClean="0"/>
-              <a:t>6/13/2025</a:t>
+              <a:t>7/25/2025</a:t>
             </a:fld>
             <a:endParaRPr lang="en-US"/>
           </a:p>
@@ -10052,10 +10052,10 @@
       </p:grpSpPr>
       <p:pic>
         <p:nvPicPr>
-          <p:cNvPr id="4" name="Picture 3">
+          <p:cNvPr id="3" name="Picture 2">
             <a:extLst>
               <a:ext uri="{FF2B5EF4-FFF2-40B4-BE49-F238E27FC236}">
-                <a16:creationId xmlns:a16="http://schemas.microsoft.com/office/drawing/2014/main" id="{7FE4607C-3B28-42E1-B1C4-687E5539A2CD}"/>
+                <a16:creationId xmlns:a16="http://schemas.microsoft.com/office/drawing/2014/main" id="{F06A48A3-D61A-6FFA-58A6-15591B4A91C1}"/>
               </a:ext>
             </a:extLst>
           </p:cNvPr>
@@ -10072,494 +10072,14 @@
         </p:blipFill>
         <p:spPr>
           <a:xfrm>
-            <a:off x="0" y="429000"/>
-            <a:ext cx="12192000" cy="6000000"/>
+            <a:off x="0" y="36700"/>
+            <a:ext cx="12192000" cy="6784599"/>
           </a:xfrm>
           <a:prstGeom prst="rect">
             <a:avLst/>
           </a:prstGeom>
         </p:spPr>
       </p:pic>
-      <p:sp>
-        <p:nvSpPr>
-          <p:cNvPr id="5" name="Rectangle 4">
-            <a:extLst>
-              <a:ext uri="{FF2B5EF4-FFF2-40B4-BE49-F238E27FC236}">
-                <a16:creationId xmlns:a16="http://schemas.microsoft.com/office/drawing/2014/main" id="{AD7E1FA1-6EBF-4802-8A6D-7151C2CDA47C}"/>
-              </a:ext>
-            </a:extLst>
-          </p:cNvPr>
-          <p:cNvSpPr/>
-          <p:nvPr/>
-        </p:nvSpPr>
-        <p:spPr>
-          <a:xfrm>
-            <a:off x="4267200" y="366713"/>
-            <a:ext cx="3657600" cy="441960"/>
-          </a:xfrm>
-          <a:prstGeom prst="rect">
-            <a:avLst/>
-          </a:prstGeom>
-          <a:pattFill prst="wdUpDiag">
-            <a:fgClr>
-              <a:schemeClr val="tx1">
-                <a:lumMod val="50000"/>
-                <a:lumOff val="50000"/>
-              </a:schemeClr>
-            </a:fgClr>
-            <a:bgClr>
-              <a:schemeClr val="bg1"/>
-            </a:bgClr>
-          </a:pattFill>
-          <a:ln>
-            <a:noFill/>
-          </a:ln>
-        </p:spPr>
-        <p:style>
-          <a:lnRef idx="2">
-            <a:schemeClr val="accent1">
-              <a:shade val="50000"/>
-            </a:schemeClr>
-          </a:lnRef>
-          <a:fillRef idx="1">
-            <a:schemeClr val="accent1"/>
-          </a:fillRef>
-          <a:effectRef idx="0">
-            <a:schemeClr val="accent1"/>
-          </a:effectRef>
-          <a:fontRef idx="minor">
-            <a:schemeClr val="lt1"/>
-          </a:fontRef>
-        </p:style>
-        <p:txBody>
-          <a:bodyPr rtlCol="0" anchor="ctr"/>
-          <a:lstStyle/>
-          <a:p>
-            <a:pPr algn="ctr"/>
-            <a:endParaRPr lang="en-US"/>
-          </a:p>
-        </p:txBody>
-      </p:sp>
-      <p:sp>
-        <p:nvSpPr>
-          <p:cNvPr id="6" name="Rectangle 5">
-            <a:extLst>
-              <a:ext uri="{FF2B5EF4-FFF2-40B4-BE49-F238E27FC236}">
-                <a16:creationId xmlns:a16="http://schemas.microsoft.com/office/drawing/2014/main" id="{416F877F-DF7A-4BE2-8AC3-569C171BE641}"/>
-              </a:ext>
-            </a:extLst>
-          </p:cNvPr>
-          <p:cNvSpPr/>
-          <p:nvPr/>
-        </p:nvSpPr>
-        <p:spPr>
-          <a:xfrm>
-            <a:off x="838200" y="870960"/>
-            <a:ext cx="1619250" cy="208540"/>
-          </a:xfrm>
-          <a:prstGeom prst="rect">
-            <a:avLst/>
-          </a:prstGeom>
-          <a:pattFill prst="wdUpDiag">
-            <a:fgClr>
-              <a:schemeClr val="tx1">
-                <a:lumMod val="50000"/>
-                <a:lumOff val="50000"/>
-              </a:schemeClr>
-            </a:fgClr>
-            <a:bgClr>
-              <a:schemeClr val="bg1"/>
-            </a:bgClr>
-          </a:pattFill>
-          <a:ln>
-            <a:noFill/>
-          </a:ln>
-        </p:spPr>
-        <p:style>
-          <a:lnRef idx="2">
-            <a:schemeClr val="accent1">
-              <a:shade val="50000"/>
-            </a:schemeClr>
-          </a:lnRef>
-          <a:fillRef idx="1">
-            <a:schemeClr val="accent1"/>
-          </a:fillRef>
-          <a:effectRef idx="0">
-            <a:schemeClr val="accent1"/>
-          </a:effectRef>
-          <a:fontRef idx="minor">
-            <a:schemeClr val="lt1"/>
-          </a:fontRef>
-        </p:style>
-        <p:txBody>
-          <a:bodyPr rtlCol="0" anchor="ctr"/>
-          <a:lstStyle/>
-          <a:p>
-            <a:pPr algn="ctr"/>
-            <a:endParaRPr lang="en-US"/>
-          </a:p>
-        </p:txBody>
-      </p:sp>
-      <p:sp>
-        <p:nvSpPr>
-          <p:cNvPr id="7" name="Rectangle 6">
-            <a:extLst>
-              <a:ext uri="{FF2B5EF4-FFF2-40B4-BE49-F238E27FC236}">
-                <a16:creationId xmlns:a16="http://schemas.microsoft.com/office/drawing/2014/main" id="{474EFDE5-9563-4020-93CE-9408F84655E1}"/>
-              </a:ext>
-            </a:extLst>
-          </p:cNvPr>
-          <p:cNvSpPr/>
-          <p:nvPr/>
-        </p:nvSpPr>
-        <p:spPr>
-          <a:xfrm>
-            <a:off x="776288" y="1125118"/>
-            <a:ext cx="1362075" cy="208540"/>
-          </a:xfrm>
-          <a:prstGeom prst="rect">
-            <a:avLst/>
-          </a:prstGeom>
-          <a:pattFill prst="wdUpDiag">
-            <a:fgClr>
-              <a:schemeClr val="tx1">
-                <a:lumMod val="50000"/>
-                <a:lumOff val="50000"/>
-              </a:schemeClr>
-            </a:fgClr>
-            <a:bgClr>
-              <a:schemeClr val="bg1"/>
-            </a:bgClr>
-          </a:pattFill>
-          <a:ln>
-            <a:noFill/>
-          </a:ln>
-        </p:spPr>
-        <p:style>
-          <a:lnRef idx="2">
-            <a:schemeClr val="accent1">
-              <a:shade val="50000"/>
-            </a:schemeClr>
-          </a:lnRef>
-          <a:fillRef idx="1">
-            <a:schemeClr val="accent1"/>
-          </a:fillRef>
-          <a:effectRef idx="0">
-            <a:schemeClr val="accent1"/>
-          </a:effectRef>
-          <a:fontRef idx="minor">
-            <a:schemeClr val="lt1"/>
-          </a:fontRef>
-        </p:style>
-        <p:txBody>
-          <a:bodyPr rtlCol="0" anchor="ctr"/>
-          <a:lstStyle/>
-          <a:p>
-            <a:pPr algn="ctr"/>
-            <a:endParaRPr lang="en-US"/>
-          </a:p>
-        </p:txBody>
-      </p:sp>
-      <p:sp>
-        <p:nvSpPr>
-          <p:cNvPr id="8" name="Rectangle 7">
-            <a:extLst>
-              <a:ext uri="{FF2B5EF4-FFF2-40B4-BE49-F238E27FC236}">
-                <a16:creationId xmlns:a16="http://schemas.microsoft.com/office/drawing/2014/main" id="{EA115968-751F-4A78-8314-F40AEDCD5F9E}"/>
-              </a:ext>
-            </a:extLst>
-          </p:cNvPr>
-          <p:cNvSpPr/>
-          <p:nvPr/>
-        </p:nvSpPr>
-        <p:spPr>
-          <a:xfrm>
-            <a:off x="8086725" y="870960"/>
-            <a:ext cx="2019300" cy="208540"/>
-          </a:xfrm>
-          <a:prstGeom prst="rect">
-            <a:avLst/>
-          </a:prstGeom>
-          <a:pattFill prst="wdUpDiag">
-            <a:fgClr>
-              <a:schemeClr val="tx1">
-                <a:lumMod val="50000"/>
-                <a:lumOff val="50000"/>
-              </a:schemeClr>
-            </a:fgClr>
-            <a:bgClr>
-              <a:schemeClr val="bg1"/>
-            </a:bgClr>
-          </a:pattFill>
-          <a:ln>
-            <a:noFill/>
-          </a:ln>
-        </p:spPr>
-        <p:style>
-          <a:lnRef idx="2">
-            <a:schemeClr val="accent1">
-              <a:shade val="50000"/>
-            </a:schemeClr>
-          </a:lnRef>
-          <a:fillRef idx="1">
-            <a:schemeClr val="accent1"/>
-          </a:fillRef>
-          <a:effectRef idx="0">
-            <a:schemeClr val="accent1"/>
-          </a:effectRef>
-          <a:fontRef idx="minor">
-            <a:schemeClr val="lt1"/>
-          </a:fontRef>
-        </p:style>
-        <p:txBody>
-          <a:bodyPr rtlCol="0" anchor="ctr"/>
-          <a:lstStyle/>
-          <a:p>
-            <a:pPr algn="ctr"/>
-            <a:endParaRPr lang="en-US"/>
-          </a:p>
-        </p:txBody>
-      </p:sp>
-      <p:sp>
-        <p:nvSpPr>
-          <p:cNvPr id="9" name="Rectangle 8">
-            <a:extLst>
-              <a:ext uri="{FF2B5EF4-FFF2-40B4-BE49-F238E27FC236}">
-                <a16:creationId xmlns:a16="http://schemas.microsoft.com/office/drawing/2014/main" id="{A415B6C3-E547-449C-81BD-5441CCEA1505}"/>
-              </a:ext>
-            </a:extLst>
-          </p:cNvPr>
-          <p:cNvSpPr/>
-          <p:nvPr/>
-        </p:nvSpPr>
-        <p:spPr>
-          <a:xfrm>
-            <a:off x="7015163" y="1125118"/>
-            <a:ext cx="1209675" cy="208540"/>
-          </a:xfrm>
-          <a:prstGeom prst="rect">
-            <a:avLst/>
-          </a:prstGeom>
-          <a:pattFill prst="wdUpDiag">
-            <a:fgClr>
-              <a:schemeClr val="tx1">
-                <a:lumMod val="50000"/>
-                <a:lumOff val="50000"/>
-              </a:schemeClr>
-            </a:fgClr>
-            <a:bgClr>
-              <a:schemeClr val="bg1"/>
-            </a:bgClr>
-          </a:pattFill>
-          <a:ln>
-            <a:noFill/>
-          </a:ln>
-        </p:spPr>
-        <p:style>
-          <a:lnRef idx="2">
-            <a:schemeClr val="accent1">
-              <a:shade val="50000"/>
-            </a:schemeClr>
-          </a:lnRef>
-          <a:fillRef idx="1">
-            <a:schemeClr val="accent1"/>
-          </a:fillRef>
-          <a:effectRef idx="0">
-            <a:schemeClr val="accent1"/>
-          </a:effectRef>
-          <a:fontRef idx="minor">
-            <a:schemeClr val="lt1"/>
-          </a:fontRef>
-        </p:style>
-        <p:txBody>
-          <a:bodyPr rtlCol="0" anchor="ctr"/>
-          <a:lstStyle/>
-          <a:p>
-            <a:pPr algn="ctr"/>
-            <a:endParaRPr lang="en-US"/>
-          </a:p>
-        </p:txBody>
-      </p:sp>
-      <p:sp>
-        <p:nvSpPr>
-          <p:cNvPr id="10" name="Rectangle 9">
-            <a:extLst>
-              <a:ext uri="{FF2B5EF4-FFF2-40B4-BE49-F238E27FC236}">
-                <a16:creationId xmlns:a16="http://schemas.microsoft.com/office/drawing/2014/main" id="{3016B917-1768-4A1E-B263-7A5A08CBA76E}"/>
-              </a:ext>
-            </a:extLst>
-          </p:cNvPr>
-          <p:cNvSpPr/>
-          <p:nvPr/>
-        </p:nvSpPr>
-        <p:spPr>
-          <a:xfrm>
-            <a:off x="1458913" y="1658647"/>
-            <a:ext cx="2176462" cy="236827"/>
-          </a:xfrm>
-          <a:prstGeom prst="rect">
-            <a:avLst/>
-          </a:prstGeom>
-          <a:pattFill prst="wdUpDiag">
-            <a:fgClr>
-              <a:schemeClr val="tx1">
-                <a:lumMod val="50000"/>
-                <a:lumOff val="50000"/>
-              </a:schemeClr>
-            </a:fgClr>
-            <a:bgClr>
-              <a:schemeClr val="bg1"/>
-            </a:bgClr>
-          </a:pattFill>
-          <a:ln>
-            <a:noFill/>
-          </a:ln>
-        </p:spPr>
-        <p:style>
-          <a:lnRef idx="2">
-            <a:schemeClr val="accent1">
-              <a:shade val="50000"/>
-            </a:schemeClr>
-          </a:lnRef>
-          <a:fillRef idx="1">
-            <a:schemeClr val="accent1"/>
-          </a:fillRef>
-          <a:effectRef idx="0">
-            <a:schemeClr val="accent1"/>
-          </a:effectRef>
-          <a:fontRef idx="minor">
-            <a:schemeClr val="lt1"/>
-          </a:fontRef>
-        </p:style>
-        <p:txBody>
-          <a:bodyPr rtlCol="0" anchor="ctr"/>
-          <a:lstStyle/>
-          <a:p>
-            <a:pPr algn="ctr"/>
-            <a:endParaRPr lang="en-US"/>
-          </a:p>
-        </p:txBody>
-      </p:sp>
-      <p:sp>
-        <p:nvSpPr>
-          <p:cNvPr id="11" name="Rectangle 10">
-            <a:extLst>
-              <a:ext uri="{FF2B5EF4-FFF2-40B4-BE49-F238E27FC236}">
-                <a16:creationId xmlns:a16="http://schemas.microsoft.com/office/drawing/2014/main" id="{65E9FAB1-32CD-4F7E-85E7-85B9BEA9F8F8}"/>
-              </a:ext>
-            </a:extLst>
-          </p:cNvPr>
-          <p:cNvSpPr/>
-          <p:nvPr/>
-        </p:nvSpPr>
-        <p:spPr>
-          <a:xfrm>
-            <a:off x="2518569" y="3092432"/>
-            <a:ext cx="939006" cy="236827"/>
-          </a:xfrm>
-          <a:prstGeom prst="rect">
-            <a:avLst/>
-          </a:prstGeom>
-          <a:pattFill prst="wdUpDiag">
-            <a:fgClr>
-              <a:schemeClr val="tx1">
-                <a:lumMod val="50000"/>
-                <a:lumOff val="50000"/>
-              </a:schemeClr>
-            </a:fgClr>
-            <a:bgClr>
-              <a:schemeClr val="bg1"/>
-            </a:bgClr>
-          </a:pattFill>
-          <a:ln>
-            <a:noFill/>
-          </a:ln>
-        </p:spPr>
-        <p:style>
-          <a:lnRef idx="2">
-            <a:schemeClr val="accent1">
-              <a:shade val="50000"/>
-            </a:schemeClr>
-          </a:lnRef>
-          <a:fillRef idx="1">
-            <a:schemeClr val="accent1"/>
-          </a:fillRef>
-          <a:effectRef idx="0">
-            <a:schemeClr val="accent1"/>
-          </a:effectRef>
-          <a:fontRef idx="minor">
-            <a:schemeClr val="lt1"/>
-          </a:fontRef>
-        </p:style>
-        <p:txBody>
-          <a:bodyPr rtlCol="0" anchor="ctr"/>
-          <a:lstStyle/>
-          <a:p>
-            <a:pPr algn="ctr"/>
-            <a:endParaRPr lang="en-US"/>
-          </a:p>
-        </p:txBody>
-      </p:sp>
-      <p:sp>
-        <p:nvSpPr>
-          <p:cNvPr id="12" name="Rectangle 11">
-            <a:extLst>
-              <a:ext uri="{FF2B5EF4-FFF2-40B4-BE49-F238E27FC236}">
-                <a16:creationId xmlns:a16="http://schemas.microsoft.com/office/drawing/2014/main" id="{A444562A-30FE-4DF3-9111-25477734EE23}"/>
-              </a:ext>
-            </a:extLst>
-          </p:cNvPr>
-          <p:cNvSpPr/>
-          <p:nvPr/>
-        </p:nvSpPr>
-        <p:spPr>
-          <a:xfrm>
-            <a:off x="5156994" y="4772642"/>
-            <a:ext cx="939006" cy="236827"/>
-          </a:xfrm>
-          <a:prstGeom prst="rect">
-            <a:avLst/>
-          </a:prstGeom>
-          <a:pattFill prst="wdUpDiag">
-            <a:fgClr>
-              <a:schemeClr val="tx1">
-                <a:lumMod val="50000"/>
-                <a:lumOff val="50000"/>
-              </a:schemeClr>
-            </a:fgClr>
-            <a:bgClr>
-              <a:schemeClr val="bg1"/>
-            </a:bgClr>
-          </a:pattFill>
-          <a:ln>
-            <a:noFill/>
-          </a:ln>
-        </p:spPr>
-        <p:style>
-          <a:lnRef idx="2">
-            <a:schemeClr val="accent1">
-              <a:shade val="50000"/>
-            </a:schemeClr>
-          </a:lnRef>
-          <a:fillRef idx="1">
-            <a:schemeClr val="accent1"/>
-          </a:fillRef>
-          <a:effectRef idx="0">
-            <a:schemeClr val="accent1"/>
-          </a:effectRef>
-          <a:fontRef idx="minor">
-            <a:schemeClr val="lt1"/>
-          </a:fontRef>
-        </p:style>
-        <p:txBody>
-          <a:bodyPr rtlCol="0" anchor="ctr"/>
-          <a:lstStyle/>
-          <a:p>
-            <a:pPr algn="ctr"/>
-            <a:endParaRPr lang="en-US"/>
-          </a:p>
-        </p:txBody>
-      </p:sp>
     </p:spTree>
     <p:extLst>
       <p:ext uri="{BB962C8B-B14F-4D97-AF65-F5344CB8AC3E}">
@@ -10652,10 +10172,10 @@
       </p:grpSpPr>
       <p:pic>
         <p:nvPicPr>
-          <p:cNvPr id="4" name="Picture 3">
+          <p:cNvPr id="3" name="Picture 2">
             <a:extLst>
               <a:ext uri="{FF2B5EF4-FFF2-40B4-BE49-F238E27FC236}">
-                <a16:creationId xmlns:a16="http://schemas.microsoft.com/office/drawing/2014/main" id="{9369A3C7-1ED1-483C-8445-97CE9F30F843}"/>
+                <a16:creationId xmlns:a16="http://schemas.microsoft.com/office/drawing/2014/main" id="{8DF90D30-436C-CC7A-8CB8-F06F77CBF8FA}"/>
               </a:ext>
             </a:extLst>
           </p:cNvPr>
@@ -10672,134 +10192,14 @@
         </p:blipFill>
         <p:spPr>
           <a:xfrm>
-            <a:off x="87090" y="1168413"/>
-            <a:ext cx="11991703" cy="4446898"/>
+            <a:off x="0" y="1091848"/>
+            <a:ext cx="12192000" cy="4674304"/>
           </a:xfrm>
           <a:prstGeom prst="rect">
             <a:avLst/>
           </a:prstGeom>
         </p:spPr>
       </p:pic>
-      <p:sp>
-        <p:nvSpPr>
-          <p:cNvPr id="5" name="Rectangle 4">
-            <a:extLst>
-              <a:ext uri="{FF2B5EF4-FFF2-40B4-BE49-F238E27FC236}">
-                <a16:creationId xmlns:a16="http://schemas.microsoft.com/office/drawing/2014/main" id="{CC30A0C8-5185-46AB-8C9D-4B184BD79C03}"/>
-              </a:ext>
-            </a:extLst>
-          </p:cNvPr>
-          <p:cNvSpPr/>
-          <p:nvPr/>
-        </p:nvSpPr>
-        <p:spPr>
-          <a:xfrm>
-            <a:off x="4957355" y="1481138"/>
-            <a:ext cx="900520" cy="260214"/>
-          </a:xfrm>
-          <a:prstGeom prst="rect">
-            <a:avLst/>
-          </a:prstGeom>
-          <a:pattFill prst="wdUpDiag">
-            <a:fgClr>
-              <a:schemeClr val="tx1">
-                <a:lumMod val="50000"/>
-                <a:lumOff val="50000"/>
-              </a:schemeClr>
-            </a:fgClr>
-            <a:bgClr>
-              <a:schemeClr val="bg1"/>
-            </a:bgClr>
-          </a:pattFill>
-          <a:ln>
-            <a:noFill/>
-          </a:ln>
-        </p:spPr>
-        <p:style>
-          <a:lnRef idx="2">
-            <a:schemeClr val="accent1">
-              <a:shade val="50000"/>
-            </a:schemeClr>
-          </a:lnRef>
-          <a:fillRef idx="1">
-            <a:schemeClr val="accent1"/>
-          </a:fillRef>
-          <a:effectRef idx="0">
-            <a:schemeClr val="accent1"/>
-          </a:effectRef>
-          <a:fontRef idx="minor">
-            <a:schemeClr val="lt1"/>
-          </a:fontRef>
-        </p:style>
-        <p:txBody>
-          <a:bodyPr rtlCol="0" anchor="ctr"/>
-          <a:lstStyle/>
-          <a:p>
-            <a:pPr algn="ctr"/>
-            <a:endParaRPr lang="en-US"/>
-          </a:p>
-        </p:txBody>
-      </p:sp>
-      <p:sp>
-        <p:nvSpPr>
-          <p:cNvPr id="6" name="Rectangle 5">
-            <a:extLst>
-              <a:ext uri="{FF2B5EF4-FFF2-40B4-BE49-F238E27FC236}">
-                <a16:creationId xmlns:a16="http://schemas.microsoft.com/office/drawing/2014/main" id="{5D4C9418-1BC1-41CF-9529-D9F21EEC9A6B}"/>
-              </a:ext>
-            </a:extLst>
-          </p:cNvPr>
-          <p:cNvSpPr/>
-          <p:nvPr/>
-        </p:nvSpPr>
-        <p:spPr>
-          <a:xfrm>
-            <a:off x="6412774" y="2326958"/>
-            <a:ext cx="1313905" cy="260214"/>
-          </a:xfrm>
-          <a:prstGeom prst="rect">
-            <a:avLst/>
-          </a:prstGeom>
-          <a:pattFill prst="wdUpDiag">
-            <a:fgClr>
-              <a:schemeClr val="tx1">
-                <a:lumMod val="50000"/>
-                <a:lumOff val="50000"/>
-              </a:schemeClr>
-            </a:fgClr>
-            <a:bgClr>
-              <a:schemeClr val="bg1"/>
-            </a:bgClr>
-          </a:pattFill>
-          <a:ln>
-            <a:noFill/>
-          </a:ln>
-        </p:spPr>
-        <p:style>
-          <a:lnRef idx="2">
-            <a:schemeClr val="accent1">
-              <a:shade val="50000"/>
-            </a:schemeClr>
-          </a:lnRef>
-          <a:fillRef idx="1">
-            <a:schemeClr val="accent1"/>
-          </a:fillRef>
-          <a:effectRef idx="0">
-            <a:schemeClr val="accent1"/>
-          </a:effectRef>
-          <a:fontRef idx="minor">
-            <a:schemeClr val="lt1"/>
-          </a:fontRef>
-        </p:style>
-        <p:txBody>
-          <a:bodyPr rtlCol="0" anchor="ctr"/>
-          <a:lstStyle/>
-          <a:p>
-            <a:pPr algn="ctr"/>
-            <a:endParaRPr lang="en-US"/>
-          </a:p>
-        </p:txBody>
-      </p:sp>
     </p:spTree>
     <p:extLst>
       <p:ext uri="{BB962C8B-B14F-4D97-AF65-F5344CB8AC3E}">
@@ -14313,21 +13713,6 @@
 </file>
 
 <file path=customXml/item1.xml><?xml version="1.0" encoding="utf-8"?>
-<?mso-contentType ?>
-<FormTemplates xmlns="http://schemas.microsoft.com/sharepoint/v3/contenttype/forms">
-  <Display>DocumentLibraryForm</Display>
-  <Edit>DocumentLibraryForm</Edit>
-  <New>DocumentLibraryForm</New>
-</FormTemplates>
-</file>
-
-<file path=customXml/item2.xml><?xml version="1.0" encoding="utf-8"?>
-<p:properties xmlns:p="http://schemas.microsoft.com/office/2006/metadata/properties" xmlns:xsi="http://www.w3.org/2001/XMLSchema-instance" xmlns:pc="http://schemas.microsoft.com/office/infopath/2007/PartnerControls">
-  <documentManagement/>
-</p:properties>
-</file>
-
-<file path=customXml/item3.xml><?xml version="1.0" encoding="utf-8"?>
 <ct:contentTypeSchema xmlns:ct="http://schemas.microsoft.com/office/2006/metadata/contentType" xmlns:ma="http://schemas.microsoft.com/office/2006/metadata/properties/metaAttributes" ct:_="" ma:_="" ma:contentTypeName="Document" ma:contentTypeID="0x010100D5A40109A461F14D9971EFEC117E2058" ma:contentTypeVersion="1" ma:contentTypeDescription="Create a new document." ma:contentTypeScope="" ma:versionID="907bd11879b4c6e47ff9414af54f6a7c">
   <xsd:schema xmlns:xsd="http://www.w3.org/2001/XMLSchema" xmlns:xs="http://www.w3.org/2001/XMLSchema" xmlns:p="http://schemas.microsoft.com/office/2006/metadata/properties" xmlns:ns3="c7bb2bd9-a9cd-4580-a5c3-5c56f86bed62" targetNamespace="http://schemas.microsoft.com/office/2006/metadata/properties" ma:root="true" ma:fieldsID="e6cf483292c7a56670f5aedbc171b54e" ns3:_="">
     <xsd:import namespace="c7bb2bd9-a9cd-4580-a5c3-5c56f86bed62"/>
@@ -14467,10 +13852,35 @@
 </ct:contentTypeSchema>
 </file>
 
+<file path=customXml/item2.xml><?xml version="1.0" encoding="utf-8"?>
+<p:properties xmlns:p="http://schemas.microsoft.com/office/2006/metadata/properties" xmlns:xsi="http://www.w3.org/2001/XMLSchema-instance" xmlns:pc="http://schemas.microsoft.com/office/infopath/2007/PartnerControls">
+  <documentManagement/>
+</p:properties>
+</file>
+
+<file path=customXml/item3.xml><?xml version="1.0" encoding="utf-8"?>
+<?mso-contentType ?>
+<FormTemplates xmlns="http://schemas.microsoft.com/sharepoint/v3/contenttype/forms">
+  <Display>DocumentLibraryForm</Display>
+  <Edit>DocumentLibraryForm</Edit>
+  <New>DocumentLibraryForm</New>
+</FormTemplates>
+</file>
+
 <file path=customXml/itemProps1.xml><?xml version="1.0" encoding="utf-8"?>
-<ds:datastoreItem xmlns:ds="http://schemas.openxmlformats.org/officeDocument/2006/customXml" ds:itemID="{D307A7DA-3353-46E8-AAD7-228678B9C178}">
+<ds:datastoreItem xmlns:ds="http://schemas.openxmlformats.org/officeDocument/2006/customXml" ds:itemID="{D3C537D0-9EAD-47F9-AB7D-875A0336A586}">
   <ds:schemaRefs>
-    <ds:schemaRef ds:uri="http://schemas.microsoft.com/sharepoint/v3/contenttype/forms"/>
+    <ds:schemaRef ds:uri="http://schemas.microsoft.com/office/2006/metadata/contentType"/>
+    <ds:schemaRef ds:uri="http://schemas.microsoft.com/office/2006/metadata/properties/metaAttributes"/>
+    <ds:schemaRef ds:uri="http://www.w3.org/2001/XMLSchema"/>
+    <ds:schemaRef ds:uri="http://schemas.microsoft.com/office/2006/metadata/properties"/>
+    <ds:schemaRef ds:uri="c7bb2bd9-a9cd-4580-a5c3-5c56f86bed62"/>
+    <ds:schemaRef ds:uri="http://schemas.microsoft.com/office/2006/documentManagement/types"/>
+    <ds:schemaRef ds:uri="http://schemas.microsoft.com/office/infopath/2007/PartnerControls"/>
+    <ds:schemaRef ds:uri="http://schemas.openxmlformats.org/package/2006/metadata/core-properties"/>
+    <ds:schemaRef ds:uri="http://purl.org/dc/elements/1.1/"/>
+    <ds:schemaRef ds:uri="http://purl.org/dc/terms/"/>
+    <ds:schemaRef ds:uri="http://schemas.microsoft.com/internal/obd"/>
   </ds:schemaRefs>
 </ds:datastoreItem>
 </file>
@@ -14492,19 +13902,9 @@
 </file>
 
 <file path=customXml/itemProps3.xml><?xml version="1.0" encoding="utf-8"?>
-<ds:datastoreItem xmlns:ds="http://schemas.openxmlformats.org/officeDocument/2006/customXml" ds:itemID="{D3C537D0-9EAD-47F9-AB7D-875A0336A586}">
+<ds:datastoreItem xmlns:ds="http://schemas.openxmlformats.org/officeDocument/2006/customXml" ds:itemID="{D307A7DA-3353-46E8-AAD7-228678B9C178}">
   <ds:schemaRefs>
-    <ds:schemaRef ds:uri="http://schemas.microsoft.com/office/2006/metadata/contentType"/>
-    <ds:schemaRef ds:uri="http://schemas.microsoft.com/office/2006/metadata/properties/metaAttributes"/>
-    <ds:schemaRef ds:uri="http://www.w3.org/2001/XMLSchema"/>
-    <ds:schemaRef ds:uri="http://schemas.microsoft.com/office/2006/metadata/properties"/>
-    <ds:schemaRef ds:uri="c7bb2bd9-a9cd-4580-a5c3-5c56f86bed62"/>
-    <ds:schemaRef ds:uri="http://schemas.microsoft.com/office/2006/documentManagement/types"/>
-    <ds:schemaRef ds:uri="http://schemas.microsoft.com/office/infopath/2007/PartnerControls"/>
-    <ds:schemaRef ds:uri="http://schemas.openxmlformats.org/package/2006/metadata/core-properties"/>
-    <ds:schemaRef ds:uri="http://purl.org/dc/elements/1.1/"/>
-    <ds:schemaRef ds:uri="http://purl.org/dc/terms/"/>
-    <ds:schemaRef ds:uri="http://schemas.microsoft.com/internal/obd"/>
+    <ds:schemaRef ds:uri="http://schemas.microsoft.com/sharepoint/v3/contenttype/forms"/>
   </ds:schemaRefs>
 </ds:datastoreItem>
 </file>